--- a/doc/底値管理アプリ画面仕様.pptx
+++ b/doc/底値管理アプリ画面仕様.pptx
@@ -6,6 +6,7 @@
   </p:sldMasterIdLst>
   <p:sldIdLst>
     <p:sldId id="257" r:id="rId2"/>
+    <p:sldId id="258" r:id="rId3"/>
   </p:sldIdLst>
   <p:sldSz cx="12192000" cy="6858000"/>
   <p:notesSz cx="6858000" cy="9144000"/>
@@ -104,6 +105,11 @@
       </a:defRPr>
     </a:lvl9pPr>
   </p:defaultTextStyle>
+  <p:extLst>
+    <p:ext uri="{EFAFB233-063F-42B5-8137-9DF3F51BA10A}">
+      <p15:sldGuideLst xmlns:p15="http://schemas.microsoft.com/office/powerpoint/2012/main"/>
+    </p:ext>
+  </p:extLst>
 </p:presentation>
 </file>
 
@@ -4666,6 +4672,1686 @@
 </p:sld>
 </file>
 
+<file path=ppt/slides/slide2.xml><?xml version="1.0" encoding="utf-8"?>
+<p:sld xmlns:a="http://schemas.openxmlformats.org/drawingml/2006/main" xmlns:r="http://schemas.openxmlformats.org/officeDocument/2006/relationships" xmlns:p="http://schemas.openxmlformats.org/presentationml/2006/main">
+  <p:cSld>
+    <p:spTree>
+      <p:nvGrpSpPr>
+        <p:cNvPr id="1" name="">
+          <a:extLst>
+            <a:ext uri="{FF2B5EF4-FFF2-40B4-BE49-F238E27FC236}">
+              <a16:creationId xmlns:a16="http://schemas.microsoft.com/office/drawing/2014/main" id="{18B2B500-E5FC-93FD-BAC7-00DEB85B7EC3}"/>
+            </a:ext>
+          </a:extLst>
+        </p:cNvPr>
+        <p:cNvGrpSpPr/>
+        <p:nvPr/>
+      </p:nvGrpSpPr>
+      <p:grpSpPr>
+        <a:xfrm>
+          <a:off x="0" y="0"/>
+          <a:ext cx="0" cy="0"/>
+          <a:chOff x="0" y="0"/>
+          <a:chExt cx="0" cy="0"/>
+        </a:xfrm>
+      </p:grpSpPr>
+      <p:sp>
+        <p:nvSpPr>
+          <p:cNvPr id="4" name="正方形/長方形 3">
+            <a:extLst>
+              <a:ext uri="{FF2B5EF4-FFF2-40B4-BE49-F238E27FC236}">
+                <a16:creationId xmlns:a16="http://schemas.microsoft.com/office/drawing/2014/main" id="{03B5AB7F-AE65-7734-BB78-1DFE398FA75D}"/>
+              </a:ext>
+            </a:extLst>
+          </p:cNvPr>
+          <p:cNvSpPr/>
+          <p:nvPr/>
+        </p:nvSpPr>
+        <p:spPr>
+          <a:xfrm>
+            <a:off x="3319309" y="180869"/>
+            <a:ext cx="5061016" cy="6440995"/>
+          </a:xfrm>
+          <a:prstGeom prst="rect">
+            <a:avLst/>
+          </a:prstGeom>
+        </p:spPr>
+        <p:style>
+          <a:lnRef idx="2">
+            <a:schemeClr val="accent1">
+              <a:shade val="15000"/>
+            </a:schemeClr>
+          </a:lnRef>
+          <a:fillRef idx="1">
+            <a:schemeClr val="accent1"/>
+          </a:fillRef>
+          <a:effectRef idx="0">
+            <a:schemeClr val="accent1"/>
+          </a:effectRef>
+          <a:fontRef idx="minor">
+            <a:schemeClr val="lt1"/>
+          </a:fontRef>
+        </p:style>
+        <p:txBody>
+          <a:bodyPr rtlCol="0" anchor="ctr"/>
+          <a:lstStyle/>
+          <a:p>
+            <a:pPr algn="ctr"/>
+            <a:endParaRPr kumimoji="1" lang="ja-JP" altLang="en-US"/>
+          </a:p>
+        </p:txBody>
+      </p:sp>
+      <p:sp>
+        <p:nvSpPr>
+          <p:cNvPr id="3" name="正方形/長方形 2">
+            <a:extLst>
+              <a:ext uri="{FF2B5EF4-FFF2-40B4-BE49-F238E27FC236}">
+                <a16:creationId xmlns:a16="http://schemas.microsoft.com/office/drawing/2014/main" id="{4FBFF4ED-6DDD-051A-91A3-59342A2048BA}"/>
+              </a:ext>
+            </a:extLst>
+          </p:cNvPr>
+          <p:cNvSpPr/>
+          <p:nvPr/>
+        </p:nvSpPr>
+        <p:spPr>
+          <a:xfrm>
+            <a:off x="3640855" y="3425231"/>
+            <a:ext cx="4448066" cy="3066006"/>
+          </a:xfrm>
+          <a:prstGeom prst="rect">
+            <a:avLst/>
+          </a:prstGeom>
+          <a:solidFill>
+            <a:schemeClr val="bg1">
+              <a:lumMod val="85000"/>
+            </a:schemeClr>
+          </a:solidFill>
+        </p:spPr>
+        <p:style>
+          <a:lnRef idx="2">
+            <a:schemeClr val="accent1">
+              <a:shade val="15000"/>
+            </a:schemeClr>
+          </a:lnRef>
+          <a:fillRef idx="1">
+            <a:schemeClr val="accent1"/>
+          </a:fillRef>
+          <a:effectRef idx="0">
+            <a:schemeClr val="accent1"/>
+          </a:effectRef>
+          <a:fontRef idx="minor">
+            <a:schemeClr val="lt1"/>
+          </a:fontRef>
+        </p:style>
+        <p:txBody>
+          <a:bodyPr rtlCol="0" anchor="t"/>
+          <a:lstStyle/>
+          <a:p>
+            <a:r>
+              <a:rPr lang="ja-JP" altLang="en-US" sz="1400" dirty="0">
+                <a:solidFill>
+                  <a:schemeClr val="tx1"/>
+                </a:solidFill>
+              </a:rPr>
+              <a:t>入力</a:t>
+            </a:r>
+            <a:r>
+              <a:rPr kumimoji="1" lang="ja-JP" altLang="en-US" sz="1400" dirty="0">
+                <a:solidFill>
+                  <a:schemeClr val="tx1"/>
+                </a:solidFill>
+              </a:rPr>
+              <a:t>情報</a:t>
+            </a:r>
+          </a:p>
+        </p:txBody>
+      </p:sp>
+      <p:sp>
+        <p:nvSpPr>
+          <p:cNvPr id="31" name="正方形/長方形 30">
+            <a:extLst>
+              <a:ext uri="{FF2B5EF4-FFF2-40B4-BE49-F238E27FC236}">
+                <a16:creationId xmlns:a16="http://schemas.microsoft.com/office/drawing/2014/main" id="{25938D52-99DF-B823-7E58-2FF54F72F8FF}"/>
+              </a:ext>
+            </a:extLst>
+          </p:cNvPr>
+          <p:cNvSpPr/>
+          <p:nvPr/>
+        </p:nvSpPr>
+        <p:spPr>
+          <a:xfrm>
+            <a:off x="3783210" y="3691512"/>
+            <a:ext cx="2024737" cy="2744456"/>
+          </a:xfrm>
+          <a:prstGeom prst="rect">
+            <a:avLst/>
+          </a:prstGeom>
+          <a:solidFill>
+            <a:schemeClr val="bg1">
+              <a:lumMod val="85000"/>
+            </a:schemeClr>
+          </a:solidFill>
+        </p:spPr>
+        <p:style>
+          <a:lnRef idx="2">
+            <a:schemeClr val="accent1">
+              <a:shade val="15000"/>
+            </a:schemeClr>
+          </a:lnRef>
+          <a:fillRef idx="1">
+            <a:schemeClr val="accent1"/>
+          </a:fillRef>
+          <a:effectRef idx="0">
+            <a:schemeClr val="accent1"/>
+          </a:effectRef>
+          <a:fontRef idx="minor">
+            <a:schemeClr val="lt1"/>
+          </a:fontRef>
+        </p:style>
+        <p:txBody>
+          <a:bodyPr rtlCol="0" anchor="t"/>
+          <a:lstStyle/>
+          <a:p>
+            <a:r>
+              <a:rPr lang="ja-JP" altLang="en-US" sz="1400" dirty="0">
+                <a:solidFill>
+                  <a:schemeClr val="tx1"/>
+                </a:solidFill>
+              </a:rPr>
+              <a:t>入力</a:t>
+            </a:r>
+            <a:r>
+              <a:rPr kumimoji="1" lang="en-US" altLang="ja-JP" sz="1400" dirty="0">
+                <a:solidFill>
+                  <a:schemeClr val="tx1"/>
+                </a:solidFill>
+              </a:rPr>
+              <a:t>1</a:t>
+            </a:r>
+            <a:endParaRPr kumimoji="1" lang="ja-JP" altLang="en-US" sz="1400" dirty="0">
+              <a:solidFill>
+                <a:schemeClr val="tx1"/>
+              </a:solidFill>
+            </a:endParaRPr>
+          </a:p>
+        </p:txBody>
+      </p:sp>
+      <p:sp>
+        <p:nvSpPr>
+          <p:cNvPr id="2" name="正方形/長方形 1">
+            <a:extLst>
+              <a:ext uri="{FF2B5EF4-FFF2-40B4-BE49-F238E27FC236}">
+                <a16:creationId xmlns:a16="http://schemas.microsoft.com/office/drawing/2014/main" id="{68049A34-F91A-E5B8-1E07-2BB92B51A18C}"/>
+              </a:ext>
+            </a:extLst>
+          </p:cNvPr>
+          <p:cNvSpPr/>
+          <p:nvPr/>
+        </p:nvSpPr>
+        <p:spPr>
+          <a:xfrm>
+            <a:off x="3640855" y="1366572"/>
+            <a:ext cx="4448066" cy="1931799"/>
+          </a:xfrm>
+          <a:prstGeom prst="rect">
+            <a:avLst/>
+          </a:prstGeom>
+          <a:solidFill>
+            <a:schemeClr val="bg1">
+              <a:lumMod val="85000"/>
+            </a:schemeClr>
+          </a:solidFill>
+        </p:spPr>
+        <p:style>
+          <a:lnRef idx="2">
+            <a:schemeClr val="accent1">
+              <a:shade val="15000"/>
+            </a:schemeClr>
+          </a:lnRef>
+          <a:fillRef idx="1">
+            <a:schemeClr val="accent1"/>
+          </a:fillRef>
+          <a:effectRef idx="0">
+            <a:schemeClr val="accent1"/>
+          </a:effectRef>
+          <a:fontRef idx="minor">
+            <a:schemeClr val="lt1"/>
+          </a:fontRef>
+        </p:style>
+        <p:txBody>
+          <a:bodyPr rtlCol="0" anchor="t"/>
+          <a:lstStyle/>
+          <a:p>
+            <a:r>
+              <a:rPr kumimoji="1" lang="ja-JP" altLang="en-US" sz="1400" dirty="0">
+                <a:solidFill>
+                  <a:schemeClr val="tx1"/>
+                </a:solidFill>
+              </a:rPr>
+              <a:t>参照情報</a:t>
+            </a:r>
+          </a:p>
+        </p:txBody>
+      </p:sp>
+      <p:sp>
+        <p:nvSpPr>
+          <p:cNvPr id="6" name="正方形/長方形 5">
+            <a:extLst>
+              <a:ext uri="{FF2B5EF4-FFF2-40B4-BE49-F238E27FC236}">
+                <a16:creationId xmlns:a16="http://schemas.microsoft.com/office/drawing/2014/main" id="{340BCEE7-0EF7-1E2F-DB23-2889CA8695F1}"/>
+              </a:ext>
+            </a:extLst>
+          </p:cNvPr>
+          <p:cNvSpPr/>
+          <p:nvPr/>
+        </p:nvSpPr>
+        <p:spPr>
+          <a:xfrm>
+            <a:off x="3640855" y="834013"/>
+            <a:ext cx="4448067" cy="386861"/>
+          </a:xfrm>
+          <a:prstGeom prst="rect">
+            <a:avLst/>
+          </a:prstGeom>
+          <a:solidFill>
+            <a:srgbClr val="92D050"/>
+          </a:solidFill>
+        </p:spPr>
+        <p:style>
+          <a:lnRef idx="2">
+            <a:schemeClr val="accent1">
+              <a:shade val="15000"/>
+            </a:schemeClr>
+          </a:lnRef>
+          <a:fillRef idx="1">
+            <a:schemeClr val="accent1"/>
+          </a:fillRef>
+          <a:effectRef idx="0">
+            <a:schemeClr val="accent1"/>
+          </a:effectRef>
+          <a:fontRef idx="minor">
+            <a:schemeClr val="lt1"/>
+          </a:fontRef>
+        </p:style>
+        <p:txBody>
+          <a:bodyPr rtlCol="0" anchor="ctr"/>
+          <a:lstStyle/>
+          <a:p>
+            <a:pPr algn="ctr"/>
+            <a:r>
+              <a:rPr kumimoji="1" lang="ja-JP" altLang="en-US" dirty="0"/>
+              <a:t>品目</a:t>
+            </a:r>
+          </a:p>
+        </p:txBody>
+      </p:sp>
+      <p:sp>
+        <p:nvSpPr>
+          <p:cNvPr id="7" name="正方形/長方形 6">
+            <a:extLst>
+              <a:ext uri="{FF2B5EF4-FFF2-40B4-BE49-F238E27FC236}">
+                <a16:creationId xmlns:a16="http://schemas.microsoft.com/office/drawing/2014/main" id="{3EB688AD-0F0D-14A1-943E-1C68FAF7CF76}"/>
+              </a:ext>
+            </a:extLst>
+          </p:cNvPr>
+          <p:cNvSpPr/>
+          <p:nvPr/>
+        </p:nvSpPr>
+        <p:spPr>
+          <a:xfrm>
+            <a:off x="3874481" y="1717011"/>
+            <a:ext cx="3882846" cy="423286"/>
+          </a:xfrm>
+          <a:prstGeom prst="rect">
+            <a:avLst/>
+          </a:prstGeom>
+          <a:solidFill>
+            <a:srgbClr val="92D050"/>
+          </a:solidFill>
+        </p:spPr>
+        <p:style>
+          <a:lnRef idx="2">
+            <a:schemeClr val="accent1">
+              <a:shade val="15000"/>
+            </a:schemeClr>
+          </a:lnRef>
+          <a:fillRef idx="1">
+            <a:schemeClr val="accent1"/>
+          </a:fillRef>
+          <a:effectRef idx="0">
+            <a:schemeClr val="accent1"/>
+          </a:effectRef>
+          <a:fontRef idx="minor">
+            <a:schemeClr val="lt1"/>
+          </a:fontRef>
+        </p:style>
+        <p:txBody>
+          <a:bodyPr rtlCol="0" anchor="ctr"/>
+          <a:lstStyle/>
+          <a:p>
+            <a:pPr algn="ctr"/>
+            <a:r>
+              <a:rPr lang="ja-JP" altLang="en-US" dirty="0"/>
+              <a:t>価格</a:t>
+            </a:r>
+            <a:endParaRPr kumimoji="1" lang="ja-JP" altLang="en-US" dirty="0"/>
+          </a:p>
+        </p:txBody>
+      </p:sp>
+      <p:sp>
+        <p:nvSpPr>
+          <p:cNvPr id="8" name="正方形/長方形 7">
+            <a:extLst>
+              <a:ext uri="{FF2B5EF4-FFF2-40B4-BE49-F238E27FC236}">
+                <a16:creationId xmlns:a16="http://schemas.microsoft.com/office/drawing/2014/main" id="{94465722-91BB-CE06-3C2E-AC07B979A593}"/>
+              </a:ext>
+            </a:extLst>
+          </p:cNvPr>
+          <p:cNvSpPr/>
+          <p:nvPr/>
+        </p:nvSpPr>
+        <p:spPr>
+          <a:xfrm>
+            <a:off x="3874480" y="2228221"/>
+            <a:ext cx="3882846" cy="423286"/>
+          </a:xfrm>
+          <a:prstGeom prst="rect">
+            <a:avLst/>
+          </a:prstGeom>
+          <a:solidFill>
+            <a:srgbClr val="92D050"/>
+          </a:solidFill>
+        </p:spPr>
+        <p:style>
+          <a:lnRef idx="2">
+            <a:schemeClr val="accent1">
+              <a:shade val="15000"/>
+            </a:schemeClr>
+          </a:lnRef>
+          <a:fillRef idx="1">
+            <a:schemeClr val="accent1"/>
+          </a:fillRef>
+          <a:effectRef idx="0">
+            <a:schemeClr val="accent1"/>
+          </a:effectRef>
+          <a:fontRef idx="minor">
+            <a:schemeClr val="lt1"/>
+          </a:fontRef>
+        </p:style>
+        <p:txBody>
+          <a:bodyPr rtlCol="0" anchor="ctr"/>
+          <a:lstStyle/>
+          <a:p>
+            <a:pPr algn="ctr"/>
+            <a:r>
+              <a:rPr lang="ja-JP" altLang="en-US" dirty="0"/>
+              <a:t>数量</a:t>
+            </a:r>
+            <a:endParaRPr kumimoji="1" lang="ja-JP" altLang="en-US" dirty="0"/>
+          </a:p>
+        </p:txBody>
+      </p:sp>
+      <p:sp>
+        <p:nvSpPr>
+          <p:cNvPr id="9" name="正方形/長方形 8">
+            <a:extLst>
+              <a:ext uri="{FF2B5EF4-FFF2-40B4-BE49-F238E27FC236}">
+                <a16:creationId xmlns:a16="http://schemas.microsoft.com/office/drawing/2014/main" id="{8F2ABBF2-F858-F16E-FD3D-17A68DB1B2AD}"/>
+              </a:ext>
+            </a:extLst>
+          </p:cNvPr>
+          <p:cNvSpPr/>
+          <p:nvPr/>
+        </p:nvSpPr>
+        <p:spPr>
+          <a:xfrm>
+            <a:off x="3874480" y="2720596"/>
+            <a:ext cx="3882846" cy="423286"/>
+          </a:xfrm>
+          <a:prstGeom prst="rect">
+            <a:avLst/>
+          </a:prstGeom>
+          <a:solidFill>
+            <a:srgbClr val="92D050"/>
+          </a:solidFill>
+        </p:spPr>
+        <p:style>
+          <a:lnRef idx="2">
+            <a:schemeClr val="accent1">
+              <a:shade val="15000"/>
+            </a:schemeClr>
+          </a:lnRef>
+          <a:fillRef idx="1">
+            <a:schemeClr val="accent1"/>
+          </a:fillRef>
+          <a:effectRef idx="0">
+            <a:schemeClr val="accent1"/>
+          </a:effectRef>
+          <a:fontRef idx="minor">
+            <a:schemeClr val="lt1"/>
+          </a:fontRef>
+        </p:style>
+        <p:txBody>
+          <a:bodyPr rtlCol="0" anchor="ctr"/>
+          <a:lstStyle/>
+          <a:p>
+            <a:pPr algn="ctr"/>
+            <a:r>
+              <a:rPr lang="ja-JP" altLang="en-US" dirty="0"/>
+              <a:t>単価</a:t>
+            </a:r>
+            <a:endParaRPr kumimoji="1" lang="ja-JP" altLang="en-US" dirty="0"/>
+          </a:p>
+        </p:txBody>
+      </p:sp>
+      <p:sp>
+        <p:nvSpPr>
+          <p:cNvPr id="13" name="正方形/長方形 12">
+            <a:extLst>
+              <a:ext uri="{FF2B5EF4-FFF2-40B4-BE49-F238E27FC236}">
+                <a16:creationId xmlns:a16="http://schemas.microsoft.com/office/drawing/2014/main" id="{ACF5AA0C-D142-F797-F09E-85C85EB0C097}"/>
+              </a:ext>
+            </a:extLst>
+          </p:cNvPr>
+          <p:cNvSpPr/>
+          <p:nvPr/>
+        </p:nvSpPr>
+        <p:spPr>
+          <a:xfrm>
+            <a:off x="4535160" y="366763"/>
+            <a:ext cx="2944166" cy="386861"/>
+          </a:xfrm>
+          <a:prstGeom prst="rect">
+            <a:avLst/>
+          </a:prstGeom>
+          <a:solidFill>
+            <a:schemeClr val="bg1"/>
+          </a:solidFill>
+        </p:spPr>
+        <p:style>
+          <a:lnRef idx="2">
+            <a:schemeClr val="accent1">
+              <a:shade val="15000"/>
+            </a:schemeClr>
+          </a:lnRef>
+          <a:fillRef idx="1">
+            <a:schemeClr val="accent1"/>
+          </a:fillRef>
+          <a:effectRef idx="0">
+            <a:schemeClr val="accent1"/>
+          </a:effectRef>
+          <a:fontRef idx="minor">
+            <a:schemeClr val="lt1"/>
+          </a:fontRef>
+        </p:style>
+        <p:txBody>
+          <a:bodyPr rtlCol="0" anchor="ctr"/>
+          <a:lstStyle/>
+          <a:p>
+            <a:pPr algn="ctr"/>
+            <a:r>
+              <a:rPr kumimoji="1" lang="ja-JP" altLang="en-US" dirty="0">
+                <a:solidFill>
+                  <a:schemeClr val="tx1"/>
+                </a:solidFill>
+              </a:rPr>
+              <a:t>底値管理アプリ</a:t>
+            </a:r>
+          </a:p>
+        </p:txBody>
+      </p:sp>
+      <p:sp>
+        <p:nvSpPr>
+          <p:cNvPr id="14" name="吹き出し: 角を丸めた四角形 13">
+            <a:extLst>
+              <a:ext uri="{FF2B5EF4-FFF2-40B4-BE49-F238E27FC236}">
+                <a16:creationId xmlns:a16="http://schemas.microsoft.com/office/drawing/2014/main" id="{14CFCADE-8A24-2885-95C4-FE39AB7C267C}"/>
+              </a:ext>
+            </a:extLst>
+          </p:cNvPr>
+          <p:cNvSpPr/>
+          <p:nvPr/>
+        </p:nvSpPr>
+        <p:spPr>
+          <a:xfrm>
+            <a:off x="8613951" y="1055226"/>
+            <a:ext cx="1796979" cy="916761"/>
+          </a:xfrm>
+          <a:prstGeom prst="wedgeRoundRectCallout">
+            <a:avLst>
+              <a:gd name="adj1" fmla="val -90776"/>
+              <a:gd name="adj2" fmla="val 41178"/>
+              <a:gd name="adj3" fmla="val 16667"/>
+            </a:avLst>
+          </a:prstGeom>
+          <a:solidFill>
+            <a:schemeClr val="accent4">
+              <a:lumMod val="60000"/>
+              <a:lumOff val="40000"/>
+            </a:schemeClr>
+          </a:solidFill>
+        </p:spPr>
+        <p:style>
+          <a:lnRef idx="2">
+            <a:schemeClr val="accent1">
+              <a:shade val="15000"/>
+            </a:schemeClr>
+          </a:lnRef>
+          <a:fillRef idx="1">
+            <a:schemeClr val="accent1"/>
+          </a:fillRef>
+          <a:effectRef idx="0">
+            <a:schemeClr val="accent1"/>
+          </a:effectRef>
+          <a:fontRef idx="minor">
+            <a:schemeClr val="lt1"/>
+          </a:fontRef>
+        </p:style>
+        <p:txBody>
+          <a:bodyPr rtlCol="0" anchor="ctr"/>
+          <a:lstStyle/>
+          <a:p>
+            <a:r>
+              <a:rPr kumimoji="1" lang="ja-JP" altLang="en-US" sz="1400" dirty="0">
+                <a:solidFill>
+                  <a:schemeClr val="tx1"/>
+                </a:solidFill>
+              </a:rPr>
+              <a:t>・画面表示時に</a:t>
+            </a:r>
+            <a:r>
+              <a:rPr kumimoji="1" lang="en-US" altLang="ja-JP" sz="1400" dirty="0">
+                <a:solidFill>
+                  <a:schemeClr val="tx1"/>
+                </a:solidFill>
+              </a:rPr>
+              <a:t>DB</a:t>
+            </a:r>
+            <a:r>
+              <a:rPr kumimoji="1" lang="ja-JP" altLang="en-US" sz="1400" dirty="0">
+                <a:solidFill>
+                  <a:schemeClr val="tx1"/>
+                </a:solidFill>
+              </a:rPr>
+              <a:t>から品目抽出</a:t>
+            </a:r>
+            <a:endParaRPr kumimoji="1" lang="en-US" altLang="ja-JP" sz="1400" dirty="0">
+              <a:solidFill>
+                <a:schemeClr val="tx1"/>
+              </a:solidFill>
+            </a:endParaRPr>
+          </a:p>
+          <a:p>
+            <a:r>
+              <a:rPr lang="ja-JP" altLang="en-US" sz="1400" dirty="0">
+                <a:solidFill>
+                  <a:schemeClr val="tx1"/>
+                </a:solidFill>
+              </a:rPr>
+              <a:t>・選択可能</a:t>
+            </a:r>
+            <a:endParaRPr kumimoji="1" lang="ja-JP" altLang="en-US" sz="1400" dirty="0">
+              <a:solidFill>
+                <a:schemeClr val="tx1"/>
+              </a:solidFill>
+            </a:endParaRPr>
+          </a:p>
+        </p:txBody>
+      </p:sp>
+      <p:sp>
+        <p:nvSpPr>
+          <p:cNvPr id="15" name="吹き出し: 角を丸めた四角形 14">
+            <a:extLst>
+              <a:ext uri="{FF2B5EF4-FFF2-40B4-BE49-F238E27FC236}">
+                <a16:creationId xmlns:a16="http://schemas.microsoft.com/office/drawing/2014/main" id="{C05BD020-3F91-0C77-CC20-E59361634179}"/>
+              </a:ext>
+            </a:extLst>
+          </p:cNvPr>
+          <p:cNvSpPr/>
+          <p:nvPr/>
+        </p:nvSpPr>
+        <p:spPr>
+          <a:xfrm flipH="1">
+            <a:off x="1876112" y="1318845"/>
+            <a:ext cx="1647930" cy="909376"/>
+          </a:xfrm>
+          <a:prstGeom prst="wedgeRoundRectCallout">
+            <a:avLst>
+              <a:gd name="adj1" fmla="val -65166"/>
+              <a:gd name="adj2" fmla="val 25708"/>
+              <a:gd name="adj3" fmla="val 16667"/>
+            </a:avLst>
+          </a:prstGeom>
+          <a:solidFill>
+            <a:schemeClr val="accent4">
+              <a:lumMod val="60000"/>
+              <a:lumOff val="40000"/>
+            </a:schemeClr>
+          </a:solidFill>
+        </p:spPr>
+        <p:style>
+          <a:lnRef idx="2">
+            <a:schemeClr val="accent1">
+              <a:shade val="15000"/>
+            </a:schemeClr>
+          </a:lnRef>
+          <a:fillRef idx="1">
+            <a:schemeClr val="accent1"/>
+          </a:fillRef>
+          <a:effectRef idx="0">
+            <a:schemeClr val="accent1"/>
+          </a:effectRef>
+          <a:fontRef idx="minor">
+            <a:schemeClr val="lt1"/>
+          </a:fontRef>
+        </p:style>
+        <p:txBody>
+          <a:bodyPr rtlCol="0" anchor="ctr"/>
+          <a:lstStyle/>
+          <a:p>
+            <a:r>
+              <a:rPr lang="ja-JP" altLang="en-US" sz="1400" dirty="0">
+                <a:solidFill>
+                  <a:schemeClr val="tx1"/>
+                </a:solidFill>
+              </a:rPr>
+              <a:t>・参照のみ</a:t>
+            </a:r>
+            <a:endParaRPr lang="en-US" altLang="ja-JP" sz="1400" dirty="0">
+              <a:solidFill>
+                <a:schemeClr val="tx1"/>
+              </a:solidFill>
+            </a:endParaRPr>
+          </a:p>
+          <a:p>
+            <a:r>
+              <a:rPr kumimoji="1" lang="ja-JP" altLang="en-US" sz="1400" dirty="0">
+                <a:solidFill>
+                  <a:schemeClr val="tx1"/>
+                </a:solidFill>
+              </a:rPr>
+              <a:t>・品目切替えで</a:t>
+            </a:r>
+            <a:r>
+              <a:rPr kumimoji="1" lang="en-US" altLang="ja-JP" sz="1400" dirty="0">
+                <a:solidFill>
+                  <a:schemeClr val="tx1"/>
+                </a:solidFill>
+              </a:rPr>
+              <a:t>DB</a:t>
+            </a:r>
+            <a:r>
+              <a:rPr kumimoji="1" lang="ja-JP" altLang="en-US" sz="1400" dirty="0">
+                <a:solidFill>
+                  <a:schemeClr val="tx1"/>
+                </a:solidFill>
+              </a:rPr>
+              <a:t>から値取得</a:t>
+            </a:r>
+          </a:p>
+        </p:txBody>
+      </p:sp>
+      <p:sp>
+        <p:nvSpPr>
+          <p:cNvPr id="18" name="吹き出し: 角を丸めた四角形 17">
+            <a:extLst>
+              <a:ext uri="{FF2B5EF4-FFF2-40B4-BE49-F238E27FC236}">
+                <a16:creationId xmlns:a16="http://schemas.microsoft.com/office/drawing/2014/main" id="{E65457DE-DCF2-9574-EC14-B4B8E058C5AA}"/>
+              </a:ext>
+            </a:extLst>
+          </p:cNvPr>
+          <p:cNvSpPr/>
+          <p:nvPr/>
+        </p:nvSpPr>
+        <p:spPr>
+          <a:xfrm flipH="1">
+            <a:off x="1471663" y="3095042"/>
+            <a:ext cx="1368253" cy="612648"/>
+          </a:xfrm>
+          <a:prstGeom prst="wedgeRoundRectCallout">
+            <a:avLst>
+              <a:gd name="adj1" fmla="val -118240"/>
+              <a:gd name="adj2" fmla="val 29697"/>
+              <a:gd name="adj3" fmla="val 16667"/>
+            </a:avLst>
+          </a:prstGeom>
+          <a:solidFill>
+            <a:schemeClr val="accent4">
+              <a:lumMod val="60000"/>
+              <a:lumOff val="40000"/>
+            </a:schemeClr>
+          </a:solidFill>
+        </p:spPr>
+        <p:style>
+          <a:lnRef idx="2">
+            <a:schemeClr val="accent1">
+              <a:shade val="15000"/>
+            </a:schemeClr>
+          </a:lnRef>
+          <a:fillRef idx="1">
+            <a:schemeClr val="accent1"/>
+          </a:fillRef>
+          <a:effectRef idx="0">
+            <a:schemeClr val="accent1"/>
+          </a:effectRef>
+          <a:fontRef idx="minor">
+            <a:schemeClr val="lt1"/>
+          </a:fontRef>
+        </p:style>
+        <p:txBody>
+          <a:bodyPr rtlCol="0" anchor="ctr"/>
+          <a:lstStyle/>
+          <a:p>
+            <a:r>
+              <a:rPr kumimoji="1" lang="ja-JP" altLang="en-US" sz="1400" dirty="0">
+                <a:solidFill>
+                  <a:schemeClr val="tx1"/>
+                </a:solidFill>
+              </a:rPr>
+              <a:t>・手入力</a:t>
+            </a:r>
+            <a:endParaRPr kumimoji="1" lang="en-US" altLang="ja-JP" sz="1400" dirty="0">
+              <a:solidFill>
+                <a:schemeClr val="tx1"/>
+              </a:solidFill>
+            </a:endParaRPr>
+          </a:p>
+          <a:p>
+            <a:r>
+              <a:rPr kumimoji="1" lang="ja-JP" altLang="en-US" sz="1400" dirty="0">
+                <a:solidFill>
+                  <a:schemeClr val="tx1"/>
+                </a:solidFill>
+              </a:rPr>
+              <a:t>・２つ手入力</a:t>
+            </a:r>
+          </a:p>
+        </p:txBody>
+      </p:sp>
+      <p:sp>
+        <p:nvSpPr>
+          <p:cNvPr id="21" name="正方形/長方形 20">
+            <a:extLst>
+              <a:ext uri="{FF2B5EF4-FFF2-40B4-BE49-F238E27FC236}">
+                <a16:creationId xmlns:a16="http://schemas.microsoft.com/office/drawing/2014/main" id="{1164F5F4-470B-17BF-8829-900CA3B11FBA}"/>
+              </a:ext>
+            </a:extLst>
+          </p:cNvPr>
+          <p:cNvSpPr/>
+          <p:nvPr/>
+        </p:nvSpPr>
+        <p:spPr>
+          <a:xfrm>
+            <a:off x="3849791" y="4411229"/>
+            <a:ext cx="1897869" cy="423286"/>
+          </a:xfrm>
+          <a:prstGeom prst="rect">
+            <a:avLst/>
+          </a:prstGeom>
+          <a:solidFill>
+            <a:schemeClr val="bg1"/>
+          </a:solidFill>
+        </p:spPr>
+        <p:style>
+          <a:lnRef idx="2">
+            <a:schemeClr val="accent1">
+              <a:shade val="15000"/>
+            </a:schemeClr>
+          </a:lnRef>
+          <a:fillRef idx="1">
+            <a:schemeClr val="accent1"/>
+          </a:fillRef>
+          <a:effectRef idx="0">
+            <a:schemeClr val="accent1"/>
+          </a:effectRef>
+          <a:fontRef idx="minor">
+            <a:schemeClr val="lt1"/>
+          </a:fontRef>
+        </p:style>
+        <p:txBody>
+          <a:bodyPr rtlCol="0" anchor="ctr"/>
+          <a:lstStyle/>
+          <a:p>
+            <a:pPr algn="ctr"/>
+            <a:r>
+              <a:rPr lang="ja-JP" altLang="en-US" dirty="0">
+                <a:solidFill>
+                  <a:schemeClr val="tx1"/>
+                </a:solidFill>
+              </a:rPr>
+              <a:t>価格</a:t>
+            </a:r>
+            <a:endParaRPr kumimoji="1" lang="ja-JP" altLang="en-US" dirty="0">
+              <a:solidFill>
+                <a:schemeClr val="tx1"/>
+              </a:solidFill>
+            </a:endParaRPr>
+          </a:p>
+        </p:txBody>
+      </p:sp>
+      <p:sp>
+        <p:nvSpPr>
+          <p:cNvPr id="22" name="正方形/長方形 21">
+            <a:extLst>
+              <a:ext uri="{FF2B5EF4-FFF2-40B4-BE49-F238E27FC236}">
+                <a16:creationId xmlns:a16="http://schemas.microsoft.com/office/drawing/2014/main" id="{45EE217B-01D7-9CC2-2847-7880C3F83B24}"/>
+              </a:ext>
+            </a:extLst>
+          </p:cNvPr>
+          <p:cNvSpPr/>
+          <p:nvPr/>
+        </p:nvSpPr>
+        <p:spPr>
+          <a:xfrm>
+            <a:off x="3849790" y="4922439"/>
+            <a:ext cx="1897869" cy="423286"/>
+          </a:xfrm>
+          <a:prstGeom prst="rect">
+            <a:avLst/>
+          </a:prstGeom>
+          <a:solidFill>
+            <a:schemeClr val="bg1"/>
+          </a:solidFill>
+        </p:spPr>
+        <p:style>
+          <a:lnRef idx="2">
+            <a:schemeClr val="accent1">
+              <a:shade val="15000"/>
+            </a:schemeClr>
+          </a:lnRef>
+          <a:fillRef idx="1">
+            <a:schemeClr val="accent1"/>
+          </a:fillRef>
+          <a:effectRef idx="0">
+            <a:schemeClr val="accent1"/>
+          </a:effectRef>
+          <a:fontRef idx="minor">
+            <a:schemeClr val="lt1"/>
+          </a:fontRef>
+        </p:style>
+        <p:txBody>
+          <a:bodyPr rtlCol="0" anchor="ctr"/>
+          <a:lstStyle/>
+          <a:p>
+            <a:pPr algn="ctr"/>
+            <a:r>
+              <a:rPr lang="ja-JP" altLang="en-US" dirty="0">
+                <a:solidFill>
+                  <a:schemeClr val="tx1"/>
+                </a:solidFill>
+              </a:rPr>
+              <a:t>数量</a:t>
+            </a:r>
+            <a:endParaRPr kumimoji="1" lang="ja-JP" altLang="en-US" dirty="0">
+              <a:solidFill>
+                <a:schemeClr val="tx1"/>
+              </a:solidFill>
+            </a:endParaRPr>
+          </a:p>
+        </p:txBody>
+      </p:sp>
+      <p:sp>
+        <p:nvSpPr>
+          <p:cNvPr id="23" name="正方形/長方形 22">
+            <a:extLst>
+              <a:ext uri="{FF2B5EF4-FFF2-40B4-BE49-F238E27FC236}">
+                <a16:creationId xmlns:a16="http://schemas.microsoft.com/office/drawing/2014/main" id="{507089A8-8C3C-518F-03B5-4103C13C3118}"/>
+              </a:ext>
+            </a:extLst>
+          </p:cNvPr>
+          <p:cNvSpPr/>
+          <p:nvPr/>
+        </p:nvSpPr>
+        <p:spPr>
+          <a:xfrm>
+            <a:off x="3849790" y="5414814"/>
+            <a:ext cx="1897869" cy="423286"/>
+          </a:xfrm>
+          <a:prstGeom prst="rect">
+            <a:avLst/>
+          </a:prstGeom>
+          <a:solidFill>
+            <a:srgbClr val="92D050"/>
+          </a:solidFill>
+        </p:spPr>
+        <p:style>
+          <a:lnRef idx="2">
+            <a:schemeClr val="accent1">
+              <a:shade val="15000"/>
+            </a:schemeClr>
+          </a:lnRef>
+          <a:fillRef idx="1">
+            <a:schemeClr val="accent1"/>
+          </a:fillRef>
+          <a:effectRef idx="0">
+            <a:schemeClr val="accent1"/>
+          </a:effectRef>
+          <a:fontRef idx="minor">
+            <a:schemeClr val="lt1"/>
+          </a:fontRef>
+        </p:style>
+        <p:txBody>
+          <a:bodyPr rtlCol="0" anchor="ctr"/>
+          <a:lstStyle/>
+          <a:p>
+            <a:pPr algn="ctr"/>
+            <a:r>
+              <a:rPr lang="ja-JP" altLang="en-US" dirty="0">
+                <a:solidFill>
+                  <a:schemeClr val="tx1"/>
+                </a:solidFill>
+              </a:rPr>
+              <a:t>単価</a:t>
+            </a:r>
+            <a:endParaRPr kumimoji="1" lang="ja-JP" altLang="en-US" dirty="0">
+              <a:solidFill>
+                <a:schemeClr val="tx1"/>
+              </a:solidFill>
+            </a:endParaRPr>
+          </a:p>
+        </p:txBody>
+      </p:sp>
+      <p:sp>
+        <p:nvSpPr>
+          <p:cNvPr id="24" name="正方形/長方形 23">
+            <a:extLst>
+              <a:ext uri="{FF2B5EF4-FFF2-40B4-BE49-F238E27FC236}">
+                <a16:creationId xmlns:a16="http://schemas.microsoft.com/office/drawing/2014/main" id="{E7AC92CC-E71C-CE71-7A29-C2F43214AEB1}"/>
+              </a:ext>
+            </a:extLst>
+          </p:cNvPr>
+          <p:cNvSpPr/>
+          <p:nvPr/>
+        </p:nvSpPr>
+        <p:spPr>
+          <a:xfrm>
+            <a:off x="3849790" y="5964959"/>
+            <a:ext cx="1897869" cy="423286"/>
+          </a:xfrm>
+          <a:prstGeom prst="rect">
+            <a:avLst/>
+          </a:prstGeom>
+          <a:solidFill>
+            <a:schemeClr val="accent2"/>
+          </a:solidFill>
+        </p:spPr>
+        <p:style>
+          <a:lnRef idx="2">
+            <a:schemeClr val="accent1">
+              <a:shade val="15000"/>
+            </a:schemeClr>
+          </a:lnRef>
+          <a:fillRef idx="1">
+            <a:schemeClr val="accent1"/>
+          </a:fillRef>
+          <a:effectRef idx="0">
+            <a:schemeClr val="accent1"/>
+          </a:effectRef>
+          <a:fontRef idx="minor">
+            <a:schemeClr val="lt1"/>
+          </a:fontRef>
+        </p:style>
+        <p:txBody>
+          <a:bodyPr rtlCol="0" anchor="ctr"/>
+          <a:lstStyle/>
+          <a:p>
+            <a:pPr algn="ctr"/>
+            <a:r>
+              <a:rPr lang="ja-JP" altLang="en-US" dirty="0">
+                <a:solidFill>
+                  <a:schemeClr val="tx1"/>
+                </a:solidFill>
+              </a:rPr>
+              <a:t>底値更新</a:t>
+            </a:r>
+            <a:endParaRPr kumimoji="1" lang="ja-JP" altLang="en-US" dirty="0">
+              <a:solidFill>
+                <a:schemeClr val="tx1"/>
+              </a:solidFill>
+            </a:endParaRPr>
+          </a:p>
+        </p:txBody>
+      </p:sp>
+      <p:sp>
+        <p:nvSpPr>
+          <p:cNvPr id="29" name="正方形/長方形 28">
+            <a:extLst>
+              <a:ext uri="{FF2B5EF4-FFF2-40B4-BE49-F238E27FC236}">
+                <a16:creationId xmlns:a16="http://schemas.microsoft.com/office/drawing/2014/main" id="{977700CE-4265-22EB-6A2E-95A6F6DB364D}"/>
+              </a:ext>
+            </a:extLst>
+          </p:cNvPr>
+          <p:cNvSpPr/>
+          <p:nvPr/>
+        </p:nvSpPr>
+        <p:spPr>
+          <a:xfrm>
+            <a:off x="4231629" y="4038186"/>
+            <a:ext cx="1134194" cy="306471"/>
+          </a:xfrm>
+          <a:prstGeom prst="rect">
+            <a:avLst/>
+          </a:prstGeom>
+          <a:solidFill>
+            <a:srgbClr val="00B0F0"/>
+          </a:solidFill>
+        </p:spPr>
+        <p:style>
+          <a:lnRef idx="2">
+            <a:schemeClr val="accent1">
+              <a:shade val="15000"/>
+            </a:schemeClr>
+          </a:lnRef>
+          <a:fillRef idx="1">
+            <a:schemeClr val="accent1"/>
+          </a:fillRef>
+          <a:effectRef idx="0">
+            <a:schemeClr val="accent1"/>
+          </a:effectRef>
+          <a:fontRef idx="minor">
+            <a:schemeClr val="lt1"/>
+          </a:fontRef>
+        </p:style>
+        <p:txBody>
+          <a:bodyPr rtlCol="0" anchor="ctr"/>
+          <a:lstStyle/>
+          <a:p>
+            <a:pPr algn="ctr"/>
+            <a:r>
+              <a:rPr lang="ja-JP" altLang="en-US" sz="1400" dirty="0">
+                <a:solidFill>
+                  <a:schemeClr val="tx1"/>
+                </a:solidFill>
+              </a:rPr>
+              <a:t>クリア</a:t>
+            </a:r>
+            <a:endParaRPr kumimoji="1" lang="ja-JP" altLang="en-US" sz="1400" dirty="0">
+              <a:solidFill>
+                <a:schemeClr val="tx1"/>
+              </a:solidFill>
+            </a:endParaRPr>
+          </a:p>
+        </p:txBody>
+      </p:sp>
+      <p:sp>
+        <p:nvSpPr>
+          <p:cNvPr id="32" name="正方形/長方形 31">
+            <a:extLst>
+              <a:ext uri="{FF2B5EF4-FFF2-40B4-BE49-F238E27FC236}">
+                <a16:creationId xmlns:a16="http://schemas.microsoft.com/office/drawing/2014/main" id="{7BF1A9E1-F286-9B7C-A621-C68DBCA4B63E}"/>
+              </a:ext>
+            </a:extLst>
+          </p:cNvPr>
+          <p:cNvSpPr/>
+          <p:nvPr/>
+        </p:nvSpPr>
+        <p:spPr>
+          <a:xfrm>
+            <a:off x="5936065" y="3691512"/>
+            <a:ext cx="2024737" cy="2744456"/>
+          </a:xfrm>
+          <a:prstGeom prst="rect">
+            <a:avLst/>
+          </a:prstGeom>
+          <a:solidFill>
+            <a:schemeClr val="bg1">
+              <a:lumMod val="85000"/>
+            </a:schemeClr>
+          </a:solidFill>
+        </p:spPr>
+        <p:style>
+          <a:lnRef idx="2">
+            <a:schemeClr val="accent1">
+              <a:shade val="15000"/>
+            </a:schemeClr>
+          </a:lnRef>
+          <a:fillRef idx="1">
+            <a:schemeClr val="accent1"/>
+          </a:fillRef>
+          <a:effectRef idx="0">
+            <a:schemeClr val="accent1"/>
+          </a:effectRef>
+          <a:fontRef idx="minor">
+            <a:schemeClr val="lt1"/>
+          </a:fontRef>
+        </p:style>
+        <p:txBody>
+          <a:bodyPr rtlCol="0" anchor="t"/>
+          <a:lstStyle/>
+          <a:p>
+            <a:r>
+              <a:rPr lang="ja-JP" altLang="en-US" sz="1400" dirty="0">
+                <a:solidFill>
+                  <a:schemeClr val="tx1"/>
+                </a:solidFill>
+              </a:rPr>
+              <a:t>入力</a:t>
+            </a:r>
+            <a:r>
+              <a:rPr kumimoji="1" lang="en-US" altLang="ja-JP" sz="1400" dirty="0">
+                <a:solidFill>
+                  <a:schemeClr val="tx1"/>
+                </a:solidFill>
+              </a:rPr>
+              <a:t>2</a:t>
+            </a:r>
+            <a:endParaRPr kumimoji="1" lang="ja-JP" altLang="en-US" sz="1400" dirty="0">
+              <a:solidFill>
+                <a:schemeClr val="tx1"/>
+              </a:solidFill>
+            </a:endParaRPr>
+          </a:p>
+        </p:txBody>
+      </p:sp>
+      <p:sp>
+        <p:nvSpPr>
+          <p:cNvPr id="33" name="正方形/長方形 32">
+            <a:extLst>
+              <a:ext uri="{FF2B5EF4-FFF2-40B4-BE49-F238E27FC236}">
+                <a16:creationId xmlns:a16="http://schemas.microsoft.com/office/drawing/2014/main" id="{F088ECBB-15B2-1624-C838-B623AEDBBE92}"/>
+              </a:ext>
+            </a:extLst>
+          </p:cNvPr>
+          <p:cNvSpPr/>
+          <p:nvPr/>
+        </p:nvSpPr>
+        <p:spPr>
+          <a:xfrm>
+            <a:off x="6002646" y="4411229"/>
+            <a:ext cx="1897869" cy="423286"/>
+          </a:xfrm>
+          <a:prstGeom prst="rect">
+            <a:avLst/>
+          </a:prstGeom>
+          <a:solidFill>
+            <a:schemeClr val="bg1"/>
+          </a:solidFill>
+        </p:spPr>
+        <p:style>
+          <a:lnRef idx="2">
+            <a:schemeClr val="accent1">
+              <a:shade val="15000"/>
+            </a:schemeClr>
+          </a:lnRef>
+          <a:fillRef idx="1">
+            <a:schemeClr val="accent1"/>
+          </a:fillRef>
+          <a:effectRef idx="0">
+            <a:schemeClr val="accent1"/>
+          </a:effectRef>
+          <a:fontRef idx="minor">
+            <a:schemeClr val="lt1"/>
+          </a:fontRef>
+        </p:style>
+        <p:txBody>
+          <a:bodyPr rtlCol="0" anchor="ctr"/>
+          <a:lstStyle/>
+          <a:p>
+            <a:pPr algn="ctr"/>
+            <a:r>
+              <a:rPr lang="ja-JP" altLang="en-US" dirty="0">
+                <a:solidFill>
+                  <a:schemeClr val="tx1"/>
+                </a:solidFill>
+              </a:rPr>
+              <a:t>価格</a:t>
+            </a:r>
+            <a:endParaRPr kumimoji="1" lang="ja-JP" altLang="en-US" dirty="0">
+              <a:solidFill>
+                <a:schemeClr val="tx1"/>
+              </a:solidFill>
+            </a:endParaRPr>
+          </a:p>
+        </p:txBody>
+      </p:sp>
+      <p:sp>
+        <p:nvSpPr>
+          <p:cNvPr id="34" name="正方形/長方形 33">
+            <a:extLst>
+              <a:ext uri="{FF2B5EF4-FFF2-40B4-BE49-F238E27FC236}">
+                <a16:creationId xmlns:a16="http://schemas.microsoft.com/office/drawing/2014/main" id="{1ED5545D-7AF5-2FE6-9F55-D92E77F15B06}"/>
+              </a:ext>
+            </a:extLst>
+          </p:cNvPr>
+          <p:cNvSpPr/>
+          <p:nvPr/>
+        </p:nvSpPr>
+        <p:spPr>
+          <a:xfrm>
+            <a:off x="6002645" y="4922439"/>
+            <a:ext cx="1897869" cy="423286"/>
+          </a:xfrm>
+          <a:prstGeom prst="rect">
+            <a:avLst/>
+          </a:prstGeom>
+          <a:solidFill>
+            <a:schemeClr val="bg1"/>
+          </a:solidFill>
+        </p:spPr>
+        <p:style>
+          <a:lnRef idx="2">
+            <a:schemeClr val="accent1">
+              <a:shade val="15000"/>
+            </a:schemeClr>
+          </a:lnRef>
+          <a:fillRef idx="1">
+            <a:schemeClr val="accent1"/>
+          </a:fillRef>
+          <a:effectRef idx="0">
+            <a:schemeClr val="accent1"/>
+          </a:effectRef>
+          <a:fontRef idx="minor">
+            <a:schemeClr val="lt1"/>
+          </a:fontRef>
+        </p:style>
+        <p:txBody>
+          <a:bodyPr rtlCol="0" anchor="ctr"/>
+          <a:lstStyle/>
+          <a:p>
+            <a:pPr algn="ctr"/>
+            <a:r>
+              <a:rPr lang="ja-JP" altLang="en-US" dirty="0">
+                <a:solidFill>
+                  <a:schemeClr val="tx1"/>
+                </a:solidFill>
+              </a:rPr>
+              <a:t>数量</a:t>
+            </a:r>
+            <a:endParaRPr kumimoji="1" lang="ja-JP" altLang="en-US" dirty="0">
+              <a:solidFill>
+                <a:schemeClr val="tx1"/>
+              </a:solidFill>
+            </a:endParaRPr>
+          </a:p>
+        </p:txBody>
+      </p:sp>
+      <p:sp>
+        <p:nvSpPr>
+          <p:cNvPr id="35" name="正方形/長方形 34">
+            <a:extLst>
+              <a:ext uri="{FF2B5EF4-FFF2-40B4-BE49-F238E27FC236}">
+                <a16:creationId xmlns:a16="http://schemas.microsoft.com/office/drawing/2014/main" id="{BAD847A1-1F20-2AC4-FF86-0C07A3320168}"/>
+              </a:ext>
+            </a:extLst>
+          </p:cNvPr>
+          <p:cNvSpPr/>
+          <p:nvPr/>
+        </p:nvSpPr>
+        <p:spPr>
+          <a:xfrm>
+            <a:off x="6002645" y="5414814"/>
+            <a:ext cx="1897869" cy="423286"/>
+          </a:xfrm>
+          <a:prstGeom prst="rect">
+            <a:avLst/>
+          </a:prstGeom>
+          <a:solidFill>
+            <a:srgbClr val="92D050"/>
+          </a:solidFill>
+        </p:spPr>
+        <p:style>
+          <a:lnRef idx="2">
+            <a:schemeClr val="accent1">
+              <a:shade val="15000"/>
+            </a:schemeClr>
+          </a:lnRef>
+          <a:fillRef idx="1">
+            <a:schemeClr val="accent1"/>
+          </a:fillRef>
+          <a:effectRef idx="0">
+            <a:schemeClr val="accent1"/>
+          </a:effectRef>
+          <a:fontRef idx="minor">
+            <a:schemeClr val="lt1"/>
+          </a:fontRef>
+        </p:style>
+        <p:txBody>
+          <a:bodyPr rtlCol="0" anchor="ctr"/>
+          <a:lstStyle/>
+          <a:p>
+            <a:pPr algn="ctr"/>
+            <a:r>
+              <a:rPr lang="ja-JP" altLang="en-US" dirty="0">
+                <a:solidFill>
+                  <a:schemeClr val="tx1"/>
+                </a:solidFill>
+              </a:rPr>
+              <a:t>単価</a:t>
+            </a:r>
+            <a:endParaRPr kumimoji="1" lang="ja-JP" altLang="en-US" dirty="0">
+              <a:solidFill>
+                <a:schemeClr val="tx1"/>
+              </a:solidFill>
+            </a:endParaRPr>
+          </a:p>
+        </p:txBody>
+      </p:sp>
+      <p:sp>
+        <p:nvSpPr>
+          <p:cNvPr id="36" name="正方形/長方形 35">
+            <a:extLst>
+              <a:ext uri="{FF2B5EF4-FFF2-40B4-BE49-F238E27FC236}">
+                <a16:creationId xmlns:a16="http://schemas.microsoft.com/office/drawing/2014/main" id="{40215F15-1119-E3FB-33AF-CEA9CAC1CCD0}"/>
+              </a:ext>
+            </a:extLst>
+          </p:cNvPr>
+          <p:cNvSpPr/>
+          <p:nvPr/>
+        </p:nvSpPr>
+        <p:spPr>
+          <a:xfrm>
+            <a:off x="6002645" y="5964959"/>
+            <a:ext cx="1897869" cy="423286"/>
+          </a:xfrm>
+          <a:prstGeom prst="rect">
+            <a:avLst/>
+          </a:prstGeom>
+          <a:solidFill>
+            <a:schemeClr val="accent2"/>
+          </a:solidFill>
+        </p:spPr>
+        <p:style>
+          <a:lnRef idx="2">
+            <a:schemeClr val="accent1">
+              <a:shade val="15000"/>
+            </a:schemeClr>
+          </a:lnRef>
+          <a:fillRef idx="1">
+            <a:schemeClr val="accent1"/>
+          </a:fillRef>
+          <a:effectRef idx="0">
+            <a:schemeClr val="accent1"/>
+          </a:effectRef>
+          <a:fontRef idx="minor">
+            <a:schemeClr val="lt1"/>
+          </a:fontRef>
+        </p:style>
+        <p:txBody>
+          <a:bodyPr rtlCol="0" anchor="ctr"/>
+          <a:lstStyle/>
+          <a:p>
+            <a:pPr algn="ctr"/>
+            <a:r>
+              <a:rPr lang="ja-JP" altLang="en-US" dirty="0">
+                <a:solidFill>
+                  <a:schemeClr val="tx1"/>
+                </a:solidFill>
+              </a:rPr>
+              <a:t>底値更新</a:t>
+            </a:r>
+            <a:endParaRPr kumimoji="1" lang="ja-JP" altLang="en-US" dirty="0">
+              <a:solidFill>
+                <a:schemeClr val="tx1"/>
+              </a:solidFill>
+            </a:endParaRPr>
+          </a:p>
+        </p:txBody>
+      </p:sp>
+      <p:sp>
+        <p:nvSpPr>
+          <p:cNvPr id="37" name="正方形/長方形 36">
+            <a:extLst>
+              <a:ext uri="{FF2B5EF4-FFF2-40B4-BE49-F238E27FC236}">
+                <a16:creationId xmlns:a16="http://schemas.microsoft.com/office/drawing/2014/main" id="{8B0B5CD1-D866-510A-0EDC-D05EA7A19BB9}"/>
+              </a:ext>
+            </a:extLst>
+          </p:cNvPr>
+          <p:cNvSpPr/>
+          <p:nvPr/>
+        </p:nvSpPr>
+        <p:spPr>
+          <a:xfrm>
+            <a:off x="6384484" y="4038186"/>
+            <a:ext cx="1134194" cy="306471"/>
+          </a:xfrm>
+          <a:prstGeom prst="rect">
+            <a:avLst/>
+          </a:prstGeom>
+          <a:solidFill>
+            <a:srgbClr val="00B0F0"/>
+          </a:solidFill>
+        </p:spPr>
+        <p:style>
+          <a:lnRef idx="2">
+            <a:schemeClr val="accent1">
+              <a:shade val="15000"/>
+            </a:schemeClr>
+          </a:lnRef>
+          <a:fillRef idx="1">
+            <a:schemeClr val="accent1"/>
+          </a:fillRef>
+          <a:effectRef idx="0">
+            <a:schemeClr val="accent1"/>
+          </a:effectRef>
+          <a:fontRef idx="minor">
+            <a:schemeClr val="lt1"/>
+          </a:fontRef>
+        </p:style>
+        <p:txBody>
+          <a:bodyPr rtlCol="0" anchor="ctr"/>
+          <a:lstStyle/>
+          <a:p>
+            <a:pPr algn="ctr"/>
+            <a:r>
+              <a:rPr lang="ja-JP" altLang="en-US" sz="1400" dirty="0">
+                <a:solidFill>
+                  <a:schemeClr val="tx1"/>
+                </a:solidFill>
+              </a:rPr>
+              <a:t>クリア</a:t>
+            </a:r>
+            <a:endParaRPr kumimoji="1" lang="ja-JP" altLang="en-US" sz="1400" dirty="0">
+              <a:solidFill>
+                <a:schemeClr val="tx1"/>
+              </a:solidFill>
+            </a:endParaRPr>
+          </a:p>
+        </p:txBody>
+      </p:sp>
+      <p:sp>
+        <p:nvSpPr>
+          <p:cNvPr id="19" name="吹き出し: 角を丸めた四角形 18">
+            <a:extLst>
+              <a:ext uri="{FF2B5EF4-FFF2-40B4-BE49-F238E27FC236}">
+                <a16:creationId xmlns:a16="http://schemas.microsoft.com/office/drawing/2014/main" id="{C1AD3088-7EDF-1DA0-5A16-D6ED36F48C36}"/>
+              </a:ext>
+            </a:extLst>
+          </p:cNvPr>
+          <p:cNvSpPr/>
+          <p:nvPr/>
+        </p:nvSpPr>
+        <p:spPr>
+          <a:xfrm>
+            <a:off x="8231276" y="4904854"/>
+            <a:ext cx="1796979" cy="794626"/>
+          </a:xfrm>
+          <a:prstGeom prst="wedgeRoundRectCallout">
+            <a:avLst>
+              <a:gd name="adj1" fmla="val -81270"/>
+              <a:gd name="adj2" fmla="val 44183"/>
+              <a:gd name="adj3" fmla="val 16667"/>
+            </a:avLst>
+          </a:prstGeom>
+          <a:solidFill>
+            <a:schemeClr val="accent4">
+              <a:lumMod val="60000"/>
+              <a:lumOff val="40000"/>
+            </a:schemeClr>
+          </a:solidFill>
+        </p:spPr>
+        <p:style>
+          <a:lnRef idx="2">
+            <a:schemeClr val="accent1">
+              <a:shade val="15000"/>
+            </a:schemeClr>
+          </a:lnRef>
+          <a:fillRef idx="1">
+            <a:schemeClr val="accent1"/>
+          </a:fillRef>
+          <a:effectRef idx="0">
+            <a:schemeClr val="accent1"/>
+          </a:effectRef>
+          <a:fontRef idx="minor">
+            <a:schemeClr val="lt1"/>
+          </a:fontRef>
+        </p:style>
+        <p:txBody>
+          <a:bodyPr rtlCol="0" anchor="ctr"/>
+          <a:lstStyle/>
+          <a:p>
+            <a:r>
+              <a:rPr kumimoji="1" lang="ja-JP" altLang="en-US" sz="1400" dirty="0">
+                <a:solidFill>
+                  <a:schemeClr val="tx1"/>
+                </a:solidFill>
+              </a:rPr>
+              <a:t>価格、数量が入力されると単価自動で表示</a:t>
+            </a:r>
+          </a:p>
+        </p:txBody>
+      </p:sp>
+      <p:sp>
+        <p:nvSpPr>
+          <p:cNvPr id="38" name="吹き出し: 角を丸めた四角形 37">
+            <a:extLst>
+              <a:ext uri="{FF2B5EF4-FFF2-40B4-BE49-F238E27FC236}">
+                <a16:creationId xmlns:a16="http://schemas.microsoft.com/office/drawing/2014/main" id="{5DD4C9A2-FE31-53A0-B143-CD8FF4CFE2F7}"/>
+              </a:ext>
+            </a:extLst>
+          </p:cNvPr>
+          <p:cNvSpPr/>
+          <p:nvPr/>
+        </p:nvSpPr>
+        <p:spPr>
+          <a:xfrm>
+            <a:off x="2065147" y="5205047"/>
+            <a:ext cx="813915" cy="568314"/>
+          </a:xfrm>
+          <a:prstGeom prst="wedgeRoundRectCallout">
+            <a:avLst>
+              <a:gd name="adj1" fmla="val 464197"/>
+              <a:gd name="adj2" fmla="val 124424"/>
+              <a:gd name="adj3" fmla="val 16667"/>
+            </a:avLst>
+          </a:prstGeom>
+          <a:solidFill>
+            <a:schemeClr val="accent4">
+              <a:lumMod val="60000"/>
+              <a:lumOff val="40000"/>
+            </a:schemeClr>
+          </a:solidFill>
+        </p:spPr>
+        <p:style>
+          <a:lnRef idx="2">
+            <a:schemeClr val="accent1">
+              <a:shade val="15000"/>
+            </a:schemeClr>
+          </a:lnRef>
+          <a:fillRef idx="1">
+            <a:schemeClr val="accent1"/>
+          </a:fillRef>
+          <a:effectRef idx="0">
+            <a:schemeClr val="accent1"/>
+          </a:effectRef>
+          <a:fontRef idx="minor">
+            <a:schemeClr val="lt1"/>
+          </a:fontRef>
+        </p:style>
+        <p:txBody>
+          <a:bodyPr rtlCol="0" anchor="ctr"/>
+          <a:lstStyle/>
+          <a:p>
+            <a:endParaRPr kumimoji="1" lang="ja-JP" altLang="en-US" sz="1400" dirty="0">
+              <a:solidFill>
+                <a:schemeClr val="tx1"/>
+              </a:solidFill>
+            </a:endParaRPr>
+          </a:p>
+        </p:txBody>
+      </p:sp>
+      <p:sp>
+        <p:nvSpPr>
+          <p:cNvPr id="20" name="吹き出し: 角を丸めた四角形 19">
+            <a:extLst>
+              <a:ext uri="{FF2B5EF4-FFF2-40B4-BE49-F238E27FC236}">
+                <a16:creationId xmlns:a16="http://schemas.microsoft.com/office/drawing/2014/main" id="{CA0C7201-3FA1-EAF8-6329-140001DF93A4}"/>
+              </a:ext>
+            </a:extLst>
+          </p:cNvPr>
+          <p:cNvSpPr/>
+          <p:nvPr/>
+        </p:nvSpPr>
+        <p:spPr>
+          <a:xfrm>
+            <a:off x="1265255" y="5073796"/>
+            <a:ext cx="1796979" cy="794626"/>
+          </a:xfrm>
+          <a:prstGeom prst="wedgeRoundRectCallout">
+            <a:avLst>
+              <a:gd name="adj1" fmla="val 104937"/>
+              <a:gd name="adj2" fmla="val 83384"/>
+              <a:gd name="adj3" fmla="val 16667"/>
+            </a:avLst>
+          </a:prstGeom>
+          <a:solidFill>
+            <a:schemeClr val="accent4">
+              <a:lumMod val="60000"/>
+              <a:lumOff val="40000"/>
+            </a:schemeClr>
+          </a:solidFill>
+        </p:spPr>
+        <p:style>
+          <a:lnRef idx="2">
+            <a:schemeClr val="accent1">
+              <a:shade val="15000"/>
+            </a:schemeClr>
+          </a:lnRef>
+          <a:fillRef idx="1">
+            <a:schemeClr val="accent1"/>
+          </a:fillRef>
+          <a:effectRef idx="0">
+            <a:schemeClr val="accent1"/>
+          </a:effectRef>
+          <a:fontRef idx="minor">
+            <a:schemeClr val="lt1"/>
+          </a:fontRef>
+        </p:style>
+        <p:txBody>
+          <a:bodyPr rtlCol="0" anchor="ctr"/>
+          <a:lstStyle/>
+          <a:p>
+            <a:r>
+              <a:rPr kumimoji="1" lang="en-US" altLang="ja-JP" sz="1400" dirty="0">
+                <a:solidFill>
+                  <a:schemeClr val="tx1"/>
+                </a:solidFill>
+              </a:rPr>
+              <a:t>DB</a:t>
+            </a:r>
+            <a:r>
+              <a:rPr kumimoji="1" lang="ja-JP" altLang="en-US" sz="1400" dirty="0">
+                <a:solidFill>
+                  <a:schemeClr val="tx1"/>
+                </a:solidFill>
+              </a:rPr>
+              <a:t>より、単価が安い場合は、ボタンが活性化される</a:t>
+            </a:r>
+          </a:p>
+        </p:txBody>
+      </p:sp>
+    </p:spTree>
+    <p:extLst>
+      <p:ext uri="{BB962C8B-B14F-4D97-AF65-F5344CB8AC3E}">
+        <p14:creationId xmlns:p14="http://schemas.microsoft.com/office/powerpoint/2010/main" val="1001775136"/>
+      </p:ext>
+    </p:extLst>
+  </p:cSld>
+  <p:clrMapOvr>
+    <a:masterClrMapping/>
+  </p:clrMapOvr>
+</p:sld>
+</file>
+
 <file path=ppt/theme/theme1.xml><?xml version="1.0" encoding="utf-8"?>
 <a:theme xmlns:a="http://schemas.openxmlformats.org/drawingml/2006/main" name="Office テーマ">
   <a:themeElements>
